--- a/tips/20240212.rmfwheel.pptx
+++ b/tips/20240212.rmfwheel.pptx
@@ -215,7 +215,7 @@
           <a:p>
             <a:fld id="{0DA5FE44-C727-4B44-AC35-D47522042F47}" type="datetimeFigureOut">
               <a:rPr lang="en-US" smtClean="0"/>
-              <a:t>2/15/2024</a:t>
+              <a:t>5/17/2024</a:t>
             </a:fld>
             <a:endParaRPr lang="en-US" dirty="0"/>
           </a:p>
@@ -408,7 +408,7 @@
           <a:p>
             <a:fld id="{3B3DACA9-C708-FB41-A6FA-3D94FFC8E73D}" type="datetimeFigureOut">
               <a:rPr lang="en-US" smtClean="0"/>
-              <a:t>2/15/2024</a:t>
+              <a:t>5/17/2024</a:t>
             </a:fld>
             <a:endParaRPr lang="en-US" dirty="0"/>
           </a:p>
@@ -1639,6 +1639,53 @@
           </a:p>
         </p:txBody>
       </p:sp>
+      <p:pic>
+        <p:nvPicPr>
+          <p:cNvPr id="1028" name="Picture 4" descr="NIST SP 800-37 The Risk Management Framework Steps">
+            <a:extLst>
+              <a:ext uri="{FF2B5EF4-FFF2-40B4-BE49-F238E27FC236}">
+                <a16:creationId xmlns:a16="http://schemas.microsoft.com/office/drawing/2014/main" id="{1362D408-C3EC-D28B-0133-B180BD682798}"/>
+              </a:ext>
+            </a:extLst>
+          </p:cNvPr>
+          <p:cNvPicPr>
+            <a:picLocks noChangeAspect="1" noChangeArrowheads="1"/>
+          </p:cNvPicPr>
+          <p:nvPr/>
+        </p:nvPicPr>
+        <p:blipFill>
+          <a:blip r:embed="rId2">
+            <a:extLst>
+              <a:ext uri="{28A0092B-C50C-407E-A947-70E740481C1C}">
+                <a14:useLocalDpi xmlns:a14="http://schemas.microsoft.com/office/drawing/2010/main" val="0"/>
+              </a:ext>
+            </a:extLst>
+          </a:blip>
+          <a:srcRect/>
+          <a:stretch>
+            <a:fillRect/>
+          </a:stretch>
+        </p:blipFill>
+        <p:spPr bwMode="auto">
+          <a:xfrm>
+            <a:off x="3018267" y="1951325"/>
+            <a:ext cx="3500571" cy="3500571"/>
+          </a:xfrm>
+          <a:prstGeom prst="rect">
+            <a:avLst/>
+          </a:prstGeom>
+          <a:noFill/>
+          <a:extLst>
+            <a:ext uri="{909E8E84-426E-40DD-AFC4-6F175D3DCCD1}">
+              <a14:hiddenFill xmlns:a14="http://schemas.microsoft.com/office/drawing/2010/main">
+                <a:solidFill>
+                  <a:srgbClr val="FFFFFF"/>
+                </a:solidFill>
+              </a14:hiddenFill>
+            </a:ext>
+          </a:extLst>
+        </p:spPr>
+      </p:pic>
       <p:sp>
         <p:nvSpPr>
           <p:cNvPr id="1040" name="Freeform: Shape 1039">
@@ -1977,114 +2024,6 @@
       </p:sp>
       <p:sp>
         <p:nvSpPr>
-          <p:cNvPr id="1037" name="Freeform: Shape 1036">
-            <a:extLst>
-              <a:ext uri="{FF2B5EF4-FFF2-40B4-BE49-F238E27FC236}">
-                <a16:creationId xmlns:a16="http://schemas.microsoft.com/office/drawing/2014/main" id="{FDF00C23-66C1-7D3D-580E-C18F8C4F1D9C}"/>
-              </a:ext>
-            </a:extLst>
-          </p:cNvPr>
-          <p:cNvSpPr/>
-          <p:nvPr/>
-        </p:nvSpPr>
-        <p:spPr>
-          <a:xfrm>
-            <a:off x="3854380" y="5174223"/>
-            <a:ext cx="217621" cy="89649"/>
-          </a:xfrm>
-          <a:custGeom>
-            <a:avLst/>
-            <a:gdLst>
-              <a:gd name="connsiteX0" fmla="*/ 217621 w 217621"/>
-              <a:gd name="connsiteY0" fmla="*/ 0 h 89649"/>
-              <a:gd name="connsiteX1" fmla="*/ 124917 w 217621"/>
-              <a:gd name="connsiteY1" fmla="*/ 89649 h 89649"/>
-              <a:gd name="connsiteX2" fmla="*/ 81191 w 217621"/>
-              <a:gd name="connsiteY2" fmla="*/ 68585 h 89649"/>
-              <a:gd name="connsiteX3" fmla="*/ 0 w 217621"/>
-              <a:gd name="connsiteY3" fmla="*/ 19261 h 89649"/>
-              <a:gd name="connsiteX4" fmla="*/ 217621 w 217621"/>
-              <a:gd name="connsiteY4" fmla="*/ 0 h 89649"/>
-            </a:gdLst>
-            <a:ahLst/>
-            <a:cxnLst>
-              <a:cxn ang="0">
-                <a:pos x="connsiteX0" y="connsiteY0"/>
-              </a:cxn>
-              <a:cxn ang="0">
-                <a:pos x="connsiteX1" y="connsiteY1"/>
-              </a:cxn>
-              <a:cxn ang="0">
-                <a:pos x="connsiteX2" y="connsiteY2"/>
-              </a:cxn>
-              <a:cxn ang="0">
-                <a:pos x="connsiteX3" y="connsiteY3"/>
-              </a:cxn>
-              <a:cxn ang="0">
-                <a:pos x="connsiteX4" y="connsiteY4"/>
-              </a:cxn>
-            </a:cxnLst>
-            <a:rect l="l" t="t" r="r" b="b"/>
-            <a:pathLst>
-              <a:path w="217621" h="89649">
-                <a:moveTo>
-                  <a:pt x="217621" y="0"/>
-                </a:moveTo>
-                <a:lnTo>
-                  <a:pt x="124917" y="89649"/>
-                </a:lnTo>
-                <a:lnTo>
-                  <a:pt x="81191" y="68585"/>
-                </a:lnTo>
-                <a:lnTo>
-                  <a:pt x="0" y="19261"/>
-                </a:lnTo>
-                <a:lnTo>
-                  <a:pt x="217621" y="0"/>
-                </a:lnTo>
-                <a:close/>
-              </a:path>
-            </a:pathLst>
-          </a:custGeom>
-          <a:solidFill>
-            <a:srgbClr val="F16521"/>
-          </a:solidFill>
-          <a:ln>
-            <a:noFill/>
-            <a:miter/>
-          </a:ln>
-        </p:spPr>
-        <p:style>
-          <a:lnRef idx="0">
-            <a:schemeClr val="accent1"/>
-          </a:lnRef>
-          <a:fillRef idx="1">
-            <a:schemeClr val="accent1"/>
-          </a:fillRef>
-          <a:effectRef idx="0">
-            <a:srgbClr val="000000"/>
-          </a:effectRef>
-          <a:fontRef idx="minor">
-            <a:srgbClr val="FFFFFF"/>
-          </a:fontRef>
-        </p:style>
-        <p:txBody>
-          <a:bodyPr wrap="square" rtlCol="0" anchor="ctr">
-            <a:noAutofit/>
-          </a:bodyPr>
-          <a:lstStyle/>
-          <a:p>
-            <a:pPr algn="ctr">
-              <a:lnSpc>
-                <a:spcPct val="95000"/>
-              </a:lnSpc>
-            </a:pPr>
-            <a:endParaRPr lang="en-US" sz="1700"/>
-          </a:p>
-        </p:txBody>
-      </p:sp>
-      <p:sp>
-        <p:nvSpPr>
           <p:cNvPr id="1036" name="Freeform: Shape 1035">
             <a:extLst>
               <a:ext uri="{FF2B5EF4-FFF2-40B4-BE49-F238E27FC236}">
@@ -2405,53 +2344,6 @@
           </a:p>
         </p:txBody>
       </p:sp>
-      <p:pic>
-        <p:nvPicPr>
-          <p:cNvPr id="1028" name="Picture 4" descr="NIST SP 800-37 The Risk Management Framework Steps">
-            <a:extLst>
-              <a:ext uri="{FF2B5EF4-FFF2-40B4-BE49-F238E27FC236}">
-                <a16:creationId xmlns:a16="http://schemas.microsoft.com/office/drawing/2014/main" id="{1362D408-C3EC-D28B-0133-B180BD682798}"/>
-              </a:ext>
-            </a:extLst>
-          </p:cNvPr>
-          <p:cNvPicPr>
-            <a:picLocks noChangeAspect="1" noChangeArrowheads="1"/>
-          </p:cNvPicPr>
-          <p:nvPr/>
-        </p:nvPicPr>
-        <p:blipFill>
-          <a:blip r:embed="rId2">
-            <a:extLst>
-              <a:ext uri="{28A0092B-C50C-407E-A947-70E740481C1C}">
-                <a14:useLocalDpi xmlns:a14="http://schemas.microsoft.com/office/drawing/2010/main" val="0"/>
-              </a:ext>
-            </a:extLst>
-          </a:blip>
-          <a:srcRect/>
-          <a:stretch>
-            <a:fillRect/>
-          </a:stretch>
-        </p:blipFill>
-        <p:spPr bwMode="auto">
-          <a:xfrm>
-            <a:off x="3018267" y="1951325"/>
-            <a:ext cx="3500571" cy="3500571"/>
-          </a:xfrm>
-          <a:prstGeom prst="rect">
-            <a:avLst/>
-          </a:prstGeom>
-          <a:noFill/>
-          <a:extLst>
-            <a:ext uri="{909E8E84-426E-40DD-AFC4-6F175D3DCCD1}">
-              <a14:hiddenFill xmlns:a14="http://schemas.microsoft.com/office/drawing/2010/main">
-                <a:solidFill>
-                  <a:srgbClr val="FFFFFF"/>
-                </a:solidFill>
-              </a14:hiddenFill>
-            </a:ext>
-          </a:extLst>
-        </p:spPr>
-      </p:pic>
       <p:sp>
         <p:nvSpPr>
           <p:cNvPr id="21" name="Freeform: Shape 20">
@@ -2989,8 +2881,8 @@
           <p:nvPr/>
         </p:nvSpPr>
         <p:spPr>
-          <a:xfrm rot="3609032">
-            <a:off x="2429577" y="4154042"/>
+          <a:xfrm rot="3960112">
+            <a:off x="2429577" y="4230956"/>
             <a:ext cx="1300005" cy="617932"/>
           </a:xfrm>
           <a:prstGeom prst="rect">
@@ -3039,6 +2931,114 @@
                 </a:outerShdw>
               </a:effectLst>
             </a:endParaRPr>
+          </a:p>
+        </p:txBody>
+      </p:sp>
+      <p:sp>
+        <p:nvSpPr>
+          <p:cNvPr id="1037" name="Freeform: Shape 1036">
+            <a:extLst>
+              <a:ext uri="{FF2B5EF4-FFF2-40B4-BE49-F238E27FC236}">
+                <a16:creationId xmlns:a16="http://schemas.microsoft.com/office/drawing/2014/main" id="{FDF00C23-66C1-7D3D-580E-C18F8C4F1D9C}"/>
+              </a:ext>
+            </a:extLst>
+          </p:cNvPr>
+          <p:cNvSpPr/>
+          <p:nvPr/>
+        </p:nvSpPr>
+        <p:spPr>
+          <a:xfrm>
+            <a:off x="3854380" y="5174223"/>
+            <a:ext cx="217621" cy="89649"/>
+          </a:xfrm>
+          <a:custGeom>
+            <a:avLst/>
+            <a:gdLst>
+              <a:gd name="connsiteX0" fmla="*/ 217621 w 217621"/>
+              <a:gd name="connsiteY0" fmla="*/ 0 h 89649"/>
+              <a:gd name="connsiteX1" fmla="*/ 124917 w 217621"/>
+              <a:gd name="connsiteY1" fmla="*/ 89649 h 89649"/>
+              <a:gd name="connsiteX2" fmla="*/ 81191 w 217621"/>
+              <a:gd name="connsiteY2" fmla="*/ 68585 h 89649"/>
+              <a:gd name="connsiteX3" fmla="*/ 0 w 217621"/>
+              <a:gd name="connsiteY3" fmla="*/ 19261 h 89649"/>
+              <a:gd name="connsiteX4" fmla="*/ 217621 w 217621"/>
+              <a:gd name="connsiteY4" fmla="*/ 0 h 89649"/>
+            </a:gdLst>
+            <a:ahLst/>
+            <a:cxnLst>
+              <a:cxn ang="0">
+                <a:pos x="connsiteX0" y="connsiteY0"/>
+              </a:cxn>
+              <a:cxn ang="0">
+                <a:pos x="connsiteX1" y="connsiteY1"/>
+              </a:cxn>
+              <a:cxn ang="0">
+                <a:pos x="connsiteX2" y="connsiteY2"/>
+              </a:cxn>
+              <a:cxn ang="0">
+                <a:pos x="connsiteX3" y="connsiteY3"/>
+              </a:cxn>
+              <a:cxn ang="0">
+                <a:pos x="connsiteX4" y="connsiteY4"/>
+              </a:cxn>
+            </a:cxnLst>
+            <a:rect l="l" t="t" r="r" b="b"/>
+            <a:pathLst>
+              <a:path w="217621" h="89649">
+                <a:moveTo>
+                  <a:pt x="217621" y="0"/>
+                </a:moveTo>
+                <a:lnTo>
+                  <a:pt x="124917" y="89649"/>
+                </a:lnTo>
+                <a:lnTo>
+                  <a:pt x="81191" y="68585"/>
+                </a:lnTo>
+                <a:lnTo>
+                  <a:pt x="0" y="19261"/>
+                </a:lnTo>
+                <a:lnTo>
+                  <a:pt x="217621" y="0"/>
+                </a:lnTo>
+                <a:close/>
+              </a:path>
+            </a:pathLst>
+          </a:custGeom>
+          <a:solidFill>
+            <a:srgbClr val="F16521"/>
+          </a:solidFill>
+          <a:ln>
+            <a:noFill/>
+            <a:miter/>
+          </a:ln>
+        </p:spPr>
+        <p:style>
+          <a:lnRef idx="0">
+            <a:schemeClr val="accent1"/>
+          </a:lnRef>
+          <a:fillRef idx="1">
+            <a:schemeClr val="accent1"/>
+          </a:fillRef>
+          <a:effectRef idx="0">
+            <a:srgbClr val="000000"/>
+          </a:effectRef>
+          <a:fontRef idx="minor">
+            <a:srgbClr val="FFFFFF"/>
+          </a:fontRef>
+        </p:style>
+        <p:txBody>
+          <a:bodyPr wrap="square" rtlCol="0" anchor="ctr">
+            <a:noAutofit/>
+          </a:bodyPr>
+          <a:lstStyle/>
+          <a:p>
+            <a:pPr algn="ctr">
+              <a:lnSpc>
+                <a:spcPct val="95000"/>
+              </a:lnSpc>
+            </a:pPr>
+            <a:endParaRPr lang="en-US" sz="1700"/>
           </a:p>
         </p:txBody>
       </p:sp>
